--- a/COMP220/07/2019-20-COMP220-roadmap.pptx
+++ b/COMP220/07/2019-20-COMP220-roadmap.pptx
@@ -3919,401 +3919,444 @@
           </a:p>
         </p:txBody>
       </p:sp>
-      <p:pic>
-        <p:nvPicPr>
-          <p:cNvPr id="4" name="Picture 3">
+      <p:grpSp>
+        <p:nvGrpSpPr>
+          <p:cNvPr id="3" name="Group 2">
             <a:extLst>
               <a:ext uri="{FF2B5EF4-FFF2-40B4-BE49-F238E27FC236}">
-                <a16:creationId xmlns:a16="http://schemas.microsoft.com/office/drawing/2014/main" id="{B72713C2-7AC4-9F42-A2BE-9B33EB68A0EB}"/>
+                <a16:creationId xmlns:a16="http://schemas.microsoft.com/office/drawing/2014/main" id="{42BF6075-21A7-134F-A56F-E4EF6F1C6F16}"/>
               </a:ext>
             </a:extLst>
           </p:cNvPr>
-          <p:cNvPicPr>
-            <a:picLocks noChangeAspect="1"/>
-          </p:cNvPicPr>
+          <p:cNvGrpSpPr/>
           <p:nvPr/>
-        </p:nvPicPr>
-        <p:blipFill>
-          <a:blip r:embed="rId2"/>
-          <a:stretch>
-            <a:fillRect/>
-          </a:stretch>
-        </p:blipFill>
-        <p:spPr>
+        </p:nvGrpSpPr>
+        <p:grpSpPr>
           <a:xfrm>
-            <a:off x="2716585" y="1484784"/>
-            <a:ext cx="3710829" cy="5037548"/>
+            <a:off x="1109115" y="1484784"/>
+            <a:ext cx="5318299" cy="5037548"/>
+            <a:chOff x="1109115" y="1484784"/>
+            <a:chExt cx="5318299" cy="5037548"/>
           </a:xfrm>
-          <a:prstGeom prst="rect">
-            <a:avLst/>
-          </a:prstGeom>
-        </p:spPr>
-      </p:pic>
-      <p:sp>
-        <p:nvSpPr>
-          <p:cNvPr id="5" name="Multiply 4">
-            <a:extLst>
-              <a:ext uri="{FF2B5EF4-FFF2-40B4-BE49-F238E27FC236}">
-                <a16:creationId xmlns:a16="http://schemas.microsoft.com/office/drawing/2014/main" id="{4D99634E-C57F-704E-AA20-BAF86EA4BBF6}"/>
-              </a:ext>
-            </a:extLst>
-          </p:cNvPr>
-          <p:cNvSpPr/>
-          <p:nvPr/>
-        </p:nvSpPr>
-        <p:spPr>
-          <a:xfrm>
-            <a:off x="3707902" y="1700808"/>
-            <a:ext cx="1728193" cy="792088"/>
-          </a:xfrm>
-          <a:prstGeom prst="mathMultiply">
-            <a:avLst/>
-          </a:prstGeom>
-          <a:solidFill>
-            <a:schemeClr val="accent2"/>
-          </a:solidFill>
-          <a:ln>
+        </p:grpSpPr>
+        <p:pic>
+          <p:nvPicPr>
+            <p:cNvPr id="4" name="Picture 3">
+              <a:extLst>
+                <a:ext uri="{FF2B5EF4-FFF2-40B4-BE49-F238E27FC236}">
+                  <a16:creationId xmlns:a16="http://schemas.microsoft.com/office/drawing/2014/main" id="{B72713C2-7AC4-9F42-A2BE-9B33EB68A0EB}"/>
+                </a:ext>
+              </a:extLst>
+            </p:cNvPr>
+            <p:cNvPicPr>
+              <a:picLocks noChangeAspect="1"/>
+            </p:cNvPicPr>
+            <p:nvPr/>
+          </p:nvPicPr>
+          <p:blipFill>
+            <a:blip r:embed="rId2"/>
+            <a:stretch>
+              <a:fillRect/>
+            </a:stretch>
+          </p:blipFill>
+          <p:spPr>
+            <a:xfrm>
+              <a:off x="2716585" y="1484784"/>
+              <a:ext cx="3710829" cy="5037548"/>
+            </a:xfrm>
+            <a:prstGeom prst="rect">
+              <a:avLst/>
+            </a:prstGeom>
+            <a:ln>
+              <a:solidFill>
+                <a:schemeClr val="accent1"/>
+              </a:solidFill>
+            </a:ln>
+          </p:spPr>
+        </p:pic>
+        <p:sp>
+          <p:nvSpPr>
+            <p:cNvPr id="5" name="Multiply 4">
+              <a:extLst>
+                <a:ext uri="{FF2B5EF4-FFF2-40B4-BE49-F238E27FC236}">
+                  <a16:creationId xmlns:a16="http://schemas.microsoft.com/office/drawing/2014/main" id="{4D99634E-C57F-704E-AA20-BAF86EA4BBF6}"/>
+                </a:ext>
+              </a:extLst>
+            </p:cNvPr>
+            <p:cNvSpPr/>
+            <p:nvPr/>
+          </p:nvSpPr>
+          <p:spPr>
+            <a:xfrm>
+              <a:off x="3707902" y="1700808"/>
+              <a:ext cx="1728193" cy="792088"/>
+            </a:xfrm>
+            <a:prstGeom prst="mathMultiply">
+              <a:avLst/>
+            </a:prstGeom>
             <a:solidFill>
-              <a:schemeClr val="bg1"/>
+              <a:schemeClr val="accent2"/>
             </a:solidFill>
-          </a:ln>
-        </p:spPr>
-        <p:style>
-          <a:lnRef idx="2">
-            <a:schemeClr val="accent1">
-              <a:shade val="50000"/>
-            </a:schemeClr>
-          </a:lnRef>
-          <a:fillRef idx="1">
-            <a:schemeClr val="accent1"/>
-          </a:fillRef>
-          <a:effectRef idx="0">
-            <a:schemeClr val="accent1"/>
-          </a:effectRef>
-          <a:fontRef idx="minor">
-            <a:schemeClr val="lt1"/>
-          </a:fontRef>
-        </p:style>
-        <p:txBody>
-          <a:bodyPr rtlCol="0" anchor="ctr"/>
-          <a:lstStyle/>
-          <a:p>
-            <a:pPr algn="ctr"/>
-            <a:endParaRPr lang="en-US"/>
-          </a:p>
-        </p:txBody>
-      </p:sp>
-      <p:sp>
-        <p:nvSpPr>
-          <p:cNvPr id="6" name="Oval 5">
-            <a:extLst>
-              <a:ext uri="{FF2B5EF4-FFF2-40B4-BE49-F238E27FC236}">
-                <a16:creationId xmlns:a16="http://schemas.microsoft.com/office/drawing/2014/main" id="{F0B6EDDE-F975-1E44-B807-3D72ECBE6367}"/>
-              </a:ext>
-            </a:extLst>
-          </p:cNvPr>
-          <p:cNvSpPr/>
-          <p:nvPr/>
-        </p:nvSpPr>
-        <p:spPr>
-          <a:xfrm>
-            <a:off x="2843808" y="3510300"/>
-            <a:ext cx="2929406" cy="566772"/>
-          </a:xfrm>
-          <a:prstGeom prst="ellipse">
-            <a:avLst/>
-          </a:prstGeom>
-          <a:noFill/>
-        </p:spPr>
-        <p:style>
-          <a:lnRef idx="2">
-            <a:schemeClr val="accent1">
-              <a:shade val="50000"/>
-            </a:schemeClr>
-          </a:lnRef>
-          <a:fillRef idx="1">
-            <a:schemeClr val="accent1"/>
-          </a:fillRef>
-          <a:effectRef idx="0">
-            <a:schemeClr val="accent1"/>
-          </a:effectRef>
-          <a:fontRef idx="minor">
-            <a:schemeClr val="lt1"/>
-          </a:fontRef>
-        </p:style>
-        <p:txBody>
-          <a:bodyPr rtlCol="0" anchor="ctr"/>
-          <a:lstStyle/>
-          <a:p>
-            <a:pPr algn="ctr"/>
-            <a:endParaRPr lang="en-US"/>
-          </a:p>
-        </p:txBody>
-      </p:sp>
-      <p:sp>
-        <p:nvSpPr>
-          <p:cNvPr id="7" name="TextBox 6">
-            <a:extLst>
-              <a:ext uri="{FF2B5EF4-FFF2-40B4-BE49-F238E27FC236}">
-                <a16:creationId xmlns:a16="http://schemas.microsoft.com/office/drawing/2014/main" id="{66A4C8B3-3DDC-294D-9D5F-3DB3B62551CF}"/>
-              </a:ext>
-            </a:extLst>
-          </p:cNvPr>
-          <p:cNvSpPr txBox="1"/>
-          <p:nvPr/>
-        </p:nvSpPr>
-        <p:spPr>
-          <a:xfrm>
-            <a:off x="1127997" y="2503849"/>
-            <a:ext cx="1388329" cy="369332"/>
-          </a:xfrm>
-          <a:prstGeom prst="rect">
-            <a:avLst/>
-          </a:prstGeom>
-          <a:noFill/>
-        </p:spPr>
-        <p:txBody>
-          <a:bodyPr wrap="none" rtlCol="0">
-            <a:spAutoFit/>
-          </a:bodyPr>
-          <a:lstStyle/>
-          <a:p>
-            <a:r>
-              <a:rPr lang="en-US" dirty="0">
-                <a:solidFill>
-                  <a:schemeClr val="bg1"/>
-                </a:solidFill>
-              </a:rPr>
-              <a:t>Worksheet A</a:t>
-            </a:r>
-          </a:p>
-        </p:txBody>
-      </p:sp>
-      <p:sp>
-        <p:nvSpPr>
-          <p:cNvPr id="8" name="TextBox 7">
-            <a:extLst>
-              <a:ext uri="{FF2B5EF4-FFF2-40B4-BE49-F238E27FC236}">
-                <a16:creationId xmlns:a16="http://schemas.microsoft.com/office/drawing/2014/main" id="{75A7111F-8F9D-914E-8AB2-CB30E95A5313}"/>
-              </a:ext>
-            </a:extLst>
-          </p:cNvPr>
-          <p:cNvSpPr txBox="1"/>
-          <p:nvPr/>
-        </p:nvSpPr>
-        <p:spPr>
-          <a:xfrm>
-            <a:off x="1136012" y="3140968"/>
-            <a:ext cx="1380314" cy="369332"/>
-          </a:xfrm>
-          <a:prstGeom prst="rect">
-            <a:avLst/>
-          </a:prstGeom>
-          <a:noFill/>
-        </p:spPr>
-        <p:txBody>
-          <a:bodyPr wrap="none" rtlCol="0">
-            <a:spAutoFit/>
-          </a:bodyPr>
-          <a:lstStyle/>
-          <a:p>
-            <a:r>
-              <a:rPr lang="en-US" dirty="0">
-                <a:solidFill>
-                  <a:schemeClr val="bg1"/>
-                </a:solidFill>
-              </a:rPr>
-              <a:t>Worksheet B</a:t>
-            </a:r>
-          </a:p>
-        </p:txBody>
-      </p:sp>
-      <p:sp>
-        <p:nvSpPr>
-          <p:cNvPr id="9" name="TextBox 8">
-            <a:extLst>
-              <a:ext uri="{FF2B5EF4-FFF2-40B4-BE49-F238E27FC236}">
-                <a16:creationId xmlns:a16="http://schemas.microsoft.com/office/drawing/2014/main" id="{58865DA4-9344-1149-9BC7-593F26C28338}"/>
-              </a:ext>
-            </a:extLst>
-          </p:cNvPr>
-          <p:cNvSpPr txBox="1"/>
-          <p:nvPr/>
-        </p:nvSpPr>
-        <p:spPr>
-          <a:xfrm>
-            <a:off x="1128351" y="3634226"/>
-            <a:ext cx="1378711" cy="369332"/>
-          </a:xfrm>
-          <a:prstGeom prst="rect">
-            <a:avLst/>
-          </a:prstGeom>
-          <a:noFill/>
-        </p:spPr>
-        <p:txBody>
-          <a:bodyPr wrap="none" rtlCol="0">
-            <a:spAutoFit/>
-          </a:bodyPr>
-          <a:lstStyle/>
-          <a:p>
-            <a:r>
-              <a:rPr lang="en-US" dirty="0">
-                <a:solidFill>
-                  <a:schemeClr val="bg1"/>
-                </a:solidFill>
-              </a:rPr>
-              <a:t>Worksheet C</a:t>
-            </a:r>
-          </a:p>
-        </p:txBody>
-      </p:sp>
-      <p:sp>
-        <p:nvSpPr>
-          <p:cNvPr id="10" name="TextBox 9">
-            <a:extLst>
-              <a:ext uri="{FF2B5EF4-FFF2-40B4-BE49-F238E27FC236}">
-                <a16:creationId xmlns:a16="http://schemas.microsoft.com/office/drawing/2014/main" id="{7D253559-D719-CE42-8594-8E39235D6B01}"/>
-              </a:ext>
-            </a:extLst>
-          </p:cNvPr>
-          <p:cNvSpPr txBox="1"/>
-          <p:nvPr/>
-        </p:nvSpPr>
-        <p:spPr>
-          <a:xfrm>
-            <a:off x="1109115" y="5013176"/>
-            <a:ext cx="1397947" cy="369332"/>
-          </a:xfrm>
-          <a:prstGeom prst="rect">
-            <a:avLst/>
-          </a:prstGeom>
-          <a:noFill/>
-        </p:spPr>
-        <p:txBody>
-          <a:bodyPr wrap="none" rtlCol="0">
-            <a:spAutoFit/>
-          </a:bodyPr>
-          <a:lstStyle/>
-          <a:p>
-            <a:r>
-              <a:rPr lang="en-US" dirty="0">
-                <a:solidFill>
-                  <a:schemeClr val="bg1"/>
-                </a:solidFill>
-              </a:rPr>
-              <a:t>Worksheet D</a:t>
-            </a:r>
-          </a:p>
-        </p:txBody>
-      </p:sp>
-      <p:sp>
-        <p:nvSpPr>
-          <p:cNvPr id="11" name="Multiply 10">
-            <a:extLst>
-              <a:ext uri="{FF2B5EF4-FFF2-40B4-BE49-F238E27FC236}">
-                <a16:creationId xmlns:a16="http://schemas.microsoft.com/office/drawing/2014/main" id="{6992C518-1454-D94F-9031-DCD5E2069933}"/>
-              </a:ext>
-            </a:extLst>
-          </p:cNvPr>
-          <p:cNvSpPr/>
-          <p:nvPr/>
-        </p:nvSpPr>
-        <p:spPr>
-          <a:xfrm>
-            <a:off x="3701611" y="2209510"/>
-            <a:ext cx="1728193" cy="792088"/>
-          </a:xfrm>
-          <a:prstGeom prst="mathMultiply">
-            <a:avLst/>
-          </a:prstGeom>
-          <a:solidFill>
-            <a:schemeClr val="accent2"/>
-          </a:solidFill>
-          <a:ln>
+            <a:ln>
+              <a:solidFill>
+                <a:schemeClr val="accent1"/>
+              </a:solidFill>
+            </a:ln>
+          </p:spPr>
+          <p:style>
+            <a:lnRef idx="2">
+              <a:schemeClr val="accent1">
+                <a:shade val="50000"/>
+              </a:schemeClr>
+            </a:lnRef>
+            <a:fillRef idx="1">
+              <a:schemeClr val="accent1"/>
+            </a:fillRef>
+            <a:effectRef idx="0">
+              <a:schemeClr val="accent1"/>
+            </a:effectRef>
+            <a:fontRef idx="minor">
+              <a:schemeClr val="lt1"/>
+            </a:fontRef>
+          </p:style>
+          <p:txBody>
+            <a:bodyPr rtlCol="0" anchor="ctr"/>
+            <a:lstStyle/>
+            <a:p>
+              <a:pPr algn="ctr"/>
+              <a:endParaRPr lang="en-US"/>
+            </a:p>
+          </p:txBody>
+        </p:sp>
+        <p:sp>
+          <p:nvSpPr>
+            <p:cNvPr id="6" name="Oval 5">
+              <a:extLst>
+                <a:ext uri="{FF2B5EF4-FFF2-40B4-BE49-F238E27FC236}">
+                  <a16:creationId xmlns:a16="http://schemas.microsoft.com/office/drawing/2014/main" id="{F0B6EDDE-F975-1E44-B807-3D72ECBE6367}"/>
+                </a:ext>
+              </a:extLst>
+            </p:cNvPr>
+            <p:cNvSpPr/>
+            <p:nvPr/>
+          </p:nvSpPr>
+          <p:spPr>
+            <a:xfrm>
+              <a:off x="2843808" y="3510300"/>
+              <a:ext cx="2929406" cy="566772"/>
+            </a:xfrm>
+            <a:prstGeom prst="ellipse">
+              <a:avLst/>
+            </a:prstGeom>
+            <a:noFill/>
+            <a:ln>
+              <a:solidFill>
+                <a:schemeClr val="accent1"/>
+              </a:solidFill>
+            </a:ln>
+          </p:spPr>
+          <p:style>
+            <a:lnRef idx="2">
+              <a:schemeClr val="accent1">
+                <a:shade val="50000"/>
+              </a:schemeClr>
+            </a:lnRef>
+            <a:fillRef idx="1">
+              <a:schemeClr val="accent1"/>
+            </a:fillRef>
+            <a:effectRef idx="0">
+              <a:schemeClr val="accent1"/>
+            </a:effectRef>
+            <a:fontRef idx="minor">
+              <a:schemeClr val="lt1"/>
+            </a:fontRef>
+          </p:style>
+          <p:txBody>
+            <a:bodyPr rtlCol="0" anchor="ctr"/>
+            <a:lstStyle/>
+            <a:p>
+              <a:pPr algn="ctr"/>
+              <a:endParaRPr lang="en-US"/>
+            </a:p>
+          </p:txBody>
+        </p:sp>
+        <p:sp>
+          <p:nvSpPr>
+            <p:cNvPr id="7" name="TextBox 6">
+              <a:extLst>
+                <a:ext uri="{FF2B5EF4-FFF2-40B4-BE49-F238E27FC236}">
+                  <a16:creationId xmlns:a16="http://schemas.microsoft.com/office/drawing/2014/main" id="{66A4C8B3-3DDC-294D-9D5F-3DB3B62551CF}"/>
+                </a:ext>
+              </a:extLst>
+            </p:cNvPr>
+            <p:cNvSpPr txBox="1"/>
+            <p:nvPr/>
+          </p:nvSpPr>
+          <p:spPr>
+            <a:xfrm>
+              <a:off x="1127997" y="2503849"/>
+              <a:ext cx="1388329" cy="369332"/>
+            </a:xfrm>
+            <a:prstGeom prst="rect">
+              <a:avLst/>
+            </a:prstGeom>
+            <a:noFill/>
+            <a:ln>
+              <a:noFill/>
+            </a:ln>
+          </p:spPr>
+          <p:txBody>
+            <a:bodyPr wrap="none" rtlCol="0">
+              <a:spAutoFit/>
+            </a:bodyPr>
+            <a:lstStyle/>
+            <a:p>
+              <a:r>
+                <a:rPr lang="en-US" dirty="0">
+                  <a:solidFill>
+                    <a:schemeClr val="bg1"/>
+                  </a:solidFill>
+                </a:rPr>
+                <a:t>Worksheet A</a:t>
+              </a:r>
+            </a:p>
+          </p:txBody>
+        </p:sp>
+        <p:sp>
+          <p:nvSpPr>
+            <p:cNvPr id="8" name="TextBox 7">
+              <a:extLst>
+                <a:ext uri="{FF2B5EF4-FFF2-40B4-BE49-F238E27FC236}">
+                  <a16:creationId xmlns:a16="http://schemas.microsoft.com/office/drawing/2014/main" id="{75A7111F-8F9D-914E-8AB2-CB30E95A5313}"/>
+                </a:ext>
+              </a:extLst>
+            </p:cNvPr>
+            <p:cNvSpPr txBox="1"/>
+            <p:nvPr/>
+          </p:nvSpPr>
+          <p:spPr>
+            <a:xfrm>
+              <a:off x="1136012" y="3140968"/>
+              <a:ext cx="1380314" cy="369332"/>
+            </a:xfrm>
+            <a:prstGeom prst="rect">
+              <a:avLst/>
+            </a:prstGeom>
+            <a:noFill/>
+            <a:ln>
+              <a:noFill/>
+            </a:ln>
+          </p:spPr>
+          <p:txBody>
+            <a:bodyPr wrap="none" rtlCol="0">
+              <a:spAutoFit/>
+            </a:bodyPr>
+            <a:lstStyle/>
+            <a:p>
+              <a:r>
+                <a:rPr lang="en-US" dirty="0">
+                  <a:solidFill>
+                    <a:schemeClr val="bg1"/>
+                  </a:solidFill>
+                </a:rPr>
+                <a:t>Worksheet B</a:t>
+              </a:r>
+            </a:p>
+          </p:txBody>
+        </p:sp>
+        <p:sp>
+          <p:nvSpPr>
+            <p:cNvPr id="9" name="TextBox 8">
+              <a:extLst>
+                <a:ext uri="{FF2B5EF4-FFF2-40B4-BE49-F238E27FC236}">
+                  <a16:creationId xmlns:a16="http://schemas.microsoft.com/office/drawing/2014/main" id="{58865DA4-9344-1149-9BC7-593F26C28338}"/>
+                </a:ext>
+              </a:extLst>
+            </p:cNvPr>
+            <p:cNvSpPr txBox="1"/>
+            <p:nvPr/>
+          </p:nvSpPr>
+          <p:spPr>
+            <a:xfrm>
+              <a:off x="1128351" y="3634226"/>
+              <a:ext cx="1378711" cy="369332"/>
+            </a:xfrm>
+            <a:prstGeom prst="rect">
+              <a:avLst/>
+            </a:prstGeom>
+            <a:noFill/>
+            <a:ln>
+              <a:noFill/>
+            </a:ln>
+          </p:spPr>
+          <p:txBody>
+            <a:bodyPr wrap="none" rtlCol="0">
+              <a:spAutoFit/>
+            </a:bodyPr>
+            <a:lstStyle/>
+            <a:p>
+              <a:r>
+                <a:rPr lang="en-US" dirty="0">
+                  <a:solidFill>
+                    <a:schemeClr val="bg1"/>
+                  </a:solidFill>
+                </a:rPr>
+                <a:t>Worksheet C</a:t>
+              </a:r>
+            </a:p>
+          </p:txBody>
+        </p:sp>
+        <p:sp>
+          <p:nvSpPr>
+            <p:cNvPr id="10" name="TextBox 9">
+              <a:extLst>
+                <a:ext uri="{FF2B5EF4-FFF2-40B4-BE49-F238E27FC236}">
+                  <a16:creationId xmlns:a16="http://schemas.microsoft.com/office/drawing/2014/main" id="{7D253559-D719-CE42-8594-8E39235D6B01}"/>
+                </a:ext>
+              </a:extLst>
+            </p:cNvPr>
+            <p:cNvSpPr txBox="1"/>
+            <p:nvPr/>
+          </p:nvSpPr>
+          <p:spPr>
+            <a:xfrm>
+              <a:off x="1109115" y="5013176"/>
+              <a:ext cx="1397947" cy="369332"/>
+            </a:xfrm>
+            <a:prstGeom prst="rect">
+              <a:avLst/>
+            </a:prstGeom>
+            <a:noFill/>
+            <a:ln>
+              <a:noFill/>
+            </a:ln>
+          </p:spPr>
+          <p:txBody>
+            <a:bodyPr wrap="none" rtlCol="0">
+              <a:spAutoFit/>
+            </a:bodyPr>
+            <a:lstStyle/>
+            <a:p>
+              <a:r>
+                <a:rPr lang="en-US" dirty="0">
+                  <a:solidFill>
+                    <a:schemeClr val="bg1"/>
+                  </a:solidFill>
+                </a:rPr>
+                <a:t>Worksheet D</a:t>
+              </a:r>
+            </a:p>
+          </p:txBody>
+        </p:sp>
+        <p:sp>
+          <p:nvSpPr>
+            <p:cNvPr id="11" name="Multiply 10">
+              <a:extLst>
+                <a:ext uri="{FF2B5EF4-FFF2-40B4-BE49-F238E27FC236}">
+                  <a16:creationId xmlns:a16="http://schemas.microsoft.com/office/drawing/2014/main" id="{6992C518-1454-D94F-9031-DCD5E2069933}"/>
+                </a:ext>
+              </a:extLst>
+            </p:cNvPr>
+            <p:cNvSpPr/>
+            <p:nvPr/>
+          </p:nvSpPr>
+          <p:spPr>
+            <a:xfrm>
+              <a:off x="3701611" y="2209510"/>
+              <a:ext cx="1728193" cy="792088"/>
+            </a:xfrm>
+            <a:prstGeom prst="mathMultiply">
+              <a:avLst/>
+            </a:prstGeom>
             <a:solidFill>
-              <a:schemeClr val="bg1"/>
+              <a:schemeClr val="accent2"/>
             </a:solidFill>
-          </a:ln>
-        </p:spPr>
-        <p:style>
-          <a:lnRef idx="2">
-            <a:schemeClr val="accent1">
-              <a:shade val="50000"/>
-            </a:schemeClr>
-          </a:lnRef>
-          <a:fillRef idx="1">
-            <a:schemeClr val="accent1"/>
-          </a:fillRef>
-          <a:effectRef idx="0">
-            <a:schemeClr val="accent1"/>
-          </a:effectRef>
-          <a:fontRef idx="minor">
-            <a:schemeClr val="lt1"/>
-          </a:fontRef>
-        </p:style>
-        <p:txBody>
-          <a:bodyPr rtlCol="0" anchor="ctr"/>
-          <a:lstStyle/>
-          <a:p>
-            <a:pPr algn="ctr"/>
-            <a:endParaRPr lang="en-US"/>
-          </a:p>
-        </p:txBody>
-      </p:sp>
-      <p:sp>
-        <p:nvSpPr>
-          <p:cNvPr id="12" name="Multiply 11">
-            <a:extLst>
-              <a:ext uri="{FF2B5EF4-FFF2-40B4-BE49-F238E27FC236}">
-                <a16:creationId xmlns:a16="http://schemas.microsoft.com/office/drawing/2014/main" id="{1D566704-F011-4A48-AA3A-AE9ED254F080}"/>
-              </a:ext>
-            </a:extLst>
-          </p:cNvPr>
-          <p:cNvSpPr/>
-          <p:nvPr/>
-        </p:nvSpPr>
-        <p:spPr>
-          <a:xfrm>
-            <a:off x="3701611" y="2821578"/>
-            <a:ext cx="1728193" cy="792088"/>
-          </a:xfrm>
-          <a:prstGeom prst="mathMultiply">
-            <a:avLst/>
-          </a:prstGeom>
-          <a:solidFill>
-            <a:schemeClr val="accent2"/>
-          </a:solidFill>
-          <a:ln>
+            <a:ln>
+              <a:solidFill>
+                <a:schemeClr val="accent1"/>
+              </a:solidFill>
+            </a:ln>
+          </p:spPr>
+          <p:style>
+            <a:lnRef idx="2">
+              <a:schemeClr val="accent1">
+                <a:shade val="50000"/>
+              </a:schemeClr>
+            </a:lnRef>
+            <a:fillRef idx="1">
+              <a:schemeClr val="accent1"/>
+            </a:fillRef>
+            <a:effectRef idx="0">
+              <a:schemeClr val="accent1"/>
+            </a:effectRef>
+            <a:fontRef idx="minor">
+              <a:schemeClr val="lt1"/>
+            </a:fontRef>
+          </p:style>
+          <p:txBody>
+            <a:bodyPr rtlCol="0" anchor="ctr"/>
+            <a:lstStyle/>
+            <a:p>
+              <a:pPr algn="ctr"/>
+              <a:endParaRPr lang="en-US"/>
+            </a:p>
+          </p:txBody>
+        </p:sp>
+        <p:sp>
+          <p:nvSpPr>
+            <p:cNvPr id="12" name="Multiply 11">
+              <a:extLst>
+                <a:ext uri="{FF2B5EF4-FFF2-40B4-BE49-F238E27FC236}">
+                  <a16:creationId xmlns:a16="http://schemas.microsoft.com/office/drawing/2014/main" id="{1D566704-F011-4A48-AA3A-AE9ED254F080}"/>
+                </a:ext>
+              </a:extLst>
+            </p:cNvPr>
+            <p:cNvSpPr/>
+            <p:nvPr/>
+          </p:nvSpPr>
+          <p:spPr>
+            <a:xfrm>
+              <a:off x="3701611" y="2821578"/>
+              <a:ext cx="1728193" cy="792088"/>
+            </a:xfrm>
+            <a:prstGeom prst="mathMultiply">
+              <a:avLst/>
+            </a:prstGeom>
             <a:solidFill>
-              <a:schemeClr val="bg1"/>
+              <a:schemeClr val="accent2"/>
             </a:solidFill>
-          </a:ln>
-        </p:spPr>
-        <p:style>
-          <a:lnRef idx="2">
-            <a:schemeClr val="accent1">
-              <a:shade val="50000"/>
-            </a:schemeClr>
-          </a:lnRef>
-          <a:fillRef idx="1">
-            <a:schemeClr val="accent1"/>
-          </a:fillRef>
-          <a:effectRef idx="0">
-            <a:schemeClr val="accent1"/>
-          </a:effectRef>
-          <a:fontRef idx="minor">
-            <a:schemeClr val="lt1"/>
-          </a:fontRef>
-        </p:style>
-        <p:txBody>
-          <a:bodyPr rtlCol="0" anchor="ctr"/>
-          <a:lstStyle/>
-          <a:p>
-            <a:pPr algn="ctr"/>
-            <a:endParaRPr lang="en-US"/>
-          </a:p>
-        </p:txBody>
-      </p:sp>
+            <a:ln>
+              <a:solidFill>
+                <a:schemeClr val="accent1"/>
+              </a:solidFill>
+            </a:ln>
+          </p:spPr>
+          <p:style>
+            <a:lnRef idx="2">
+              <a:schemeClr val="accent1">
+                <a:shade val="50000"/>
+              </a:schemeClr>
+            </a:lnRef>
+            <a:fillRef idx="1">
+              <a:schemeClr val="accent1"/>
+            </a:fillRef>
+            <a:effectRef idx="0">
+              <a:schemeClr val="accent1"/>
+            </a:effectRef>
+            <a:fontRef idx="minor">
+              <a:schemeClr val="lt1"/>
+            </a:fontRef>
+          </p:style>
+          <p:txBody>
+            <a:bodyPr rtlCol="0" anchor="ctr"/>
+            <a:lstStyle/>
+            <a:p>
+              <a:pPr algn="ctr"/>
+              <a:endParaRPr lang="en-US"/>
+            </a:p>
+          </p:txBody>
+        </p:sp>
+      </p:grpSp>
     </p:spTree>
     <p:extLst>
       <p:ext uri="{BB962C8B-B14F-4D97-AF65-F5344CB8AC3E}">
